--- a/FINAL PPT FOR PRESENTATION.pptx
+++ b/FINAL PPT FOR PRESENTATION.pptx
@@ -231,7 +231,7 @@
           <a:p>
             <a:fld id="{E50B0672-1B94-4A60-842A-DF9F0BF0CC8B}" type="datetimeFigureOut">
               <a:rPr lang="en-IN" smtClean="0"/>
-              <a:t>07-04-2023</a:t>
+              <a:t>10-04-2023</a:t>
             </a:fld>
             <a:endParaRPr lang="en-IN" dirty="0"/>
           </a:p>
@@ -630,7 +630,7 @@
           <a:p>
             <a:fld id="{8F413E1E-C0B8-42BB-B3DF-AF101699ABC0}" type="datetime1">
               <a:rPr lang="en-IN" smtClean="0"/>
-              <a:t>07-04-2023</a:t>
+              <a:t>10-04-2023</a:t>
             </a:fld>
             <a:endParaRPr lang="en-IN" dirty="0"/>
           </a:p>
@@ -800,7 +800,7 @@
           <a:p>
             <a:fld id="{522862DF-EE3A-4016-8048-F5987F39AF92}" type="datetime1">
               <a:rPr lang="en-IN" smtClean="0"/>
-              <a:t>07-04-2023</a:t>
+              <a:t>10-04-2023</a:t>
             </a:fld>
             <a:endParaRPr lang="en-IN" dirty="0"/>
           </a:p>
@@ -980,7 +980,7 @@
           <a:p>
             <a:fld id="{CAD985DE-1CE7-448D-B6B1-D24798A54EC2}" type="datetime1">
               <a:rPr lang="en-IN" smtClean="0"/>
-              <a:t>07-04-2023</a:t>
+              <a:t>10-04-2023</a:t>
             </a:fld>
             <a:endParaRPr lang="en-IN" dirty="0"/>
           </a:p>
@@ -1150,7 +1150,7 @@
           <a:p>
             <a:fld id="{88D22DAB-7094-45B8-85D5-D3661D95DC5B}" type="datetime1">
               <a:rPr lang="en-IN" smtClean="0"/>
-              <a:t>07-04-2023</a:t>
+              <a:t>10-04-2023</a:t>
             </a:fld>
             <a:endParaRPr lang="en-IN" dirty="0"/>
           </a:p>
@@ -1394,7 +1394,7 @@
           <a:p>
             <a:fld id="{37E04FD5-78CE-41EC-A6B3-EF4AEB480BBC}" type="datetime1">
               <a:rPr lang="en-IN" smtClean="0"/>
-              <a:t>07-04-2023</a:t>
+              <a:t>10-04-2023</a:t>
             </a:fld>
             <a:endParaRPr lang="en-IN" dirty="0"/>
           </a:p>
@@ -1626,7 +1626,7 @@
           <a:p>
             <a:fld id="{0231333A-BE4E-400F-A4CA-D41FE49C0AF3}" type="datetime1">
               <a:rPr lang="en-IN" smtClean="0"/>
-              <a:t>07-04-2023</a:t>
+              <a:t>10-04-2023</a:t>
             </a:fld>
             <a:endParaRPr lang="en-IN" dirty="0"/>
           </a:p>
@@ -1993,7 +1993,7 @@
           <a:p>
             <a:fld id="{DA8480F4-017A-4C1F-A28C-40BA672543BC}" type="datetime1">
               <a:rPr lang="en-IN" smtClean="0"/>
-              <a:t>07-04-2023</a:t>
+              <a:t>10-04-2023</a:t>
             </a:fld>
             <a:endParaRPr lang="en-IN" dirty="0"/>
           </a:p>
@@ -2111,7 +2111,7 @@
           <a:p>
             <a:fld id="{BC754546-14BA-4044-BB86-079C670A4630}" type="datetime1">
               <a:rPr lang="en-IN" smtClean="0"/>
-              <a:t>07-04-2023</a:t>
+              <a:t>10-04-2023</a:t>
             </a:fld>
             <a:endParaRPr lang="en-IN" dirty="0"/>
           </a:p>
@@ -2206,7 +2206,7 @@
           <a:p>
             <a:fld id="{F50570F5-3E6E-4EC8-A936-EEBE2A3C996B}" type="datetime1">
               <a:rPr lang="en-IN" smtClean="0"/>
-              <a:t>07-04-2023</a:t>
+              <a:t>10-04-2023</a:t>
             </a:fld>
             <a:endParaRPr lang="en-IN" dirty="0"/>
           </a:p>
@@ -2483,7 +2483,7 @@
           <a:p>
             <a:fld id="{1CD07454-F2FE-43D6-B9C6-10AC861791CE}" type="datetime1">
               <a:rPr lang="en-IN" smtClean="0"/>
-              <a:t>07-04-2023</a:t>
+              <a:t>10-04-2023</a:t>
             </a:fld>
             <a:endParaRPr lang="en-IN" dirty="0"/>
           </a:p>
@@ -2739,7 +2739,7 @@
           <a:p>
             <a:fld id="{16CD4FC3-D5A8-4EF5-B5C4-3704EAC82C58}" type="datetime1">
               <a:rPr lang="en-IN" smtClean="0"/>
-              <a:t>07-04-2023</a:t>
+              <a:t>10-04-2023</a:t>
             </a:fld>
             <a:endParaRPr lang="en-IN" dirty="0"/>
           </a:p>
@@ -2952,7 +2952,7 @@
           <a:p>
             <a:fld id="{2613C924-6359-49B9-9C33-86D2C3D15BE7}" type="datetime1">
               <a:rPr lang="en-IN" smtClean="0"/>
-              <a:t>07-04-2023</a:t>
+              <a:t>10-04-2023</a:t>
             </a:fld>
             <a:endParaRPr lang="en-IN" dirty="0"/>
           </a:p>
@@ -3642,7 +3642,7 @@
           <a:p>
             <a:fld id="{8CB503F5-DB0E-4E11-9D2A-893EDB84D48F}" type="datetime1">
               <a:rPr lang="en-IN" smtClean="0"/>
-              <a:t>07-04-2023</a:t>
+              <a:t>10-04-2023</a:t>
             </a:fld>
             <a:endParaRPr lang="en-IN" dirty="0"/>
           </a:p>
@@ -4317,7 +4317,7 @@
           <a:p>
             <a:fld id="{89E01FDE-22D3-49D9-846C-C14CA8C34E8A}" type="datetime1">
               <a:rPr lang="en-IN" smtClean="0"/>
-              <a:t>07-04-2023</a:t>
+              <a:t>10-04-2023</a:t>
             </a:fld>
             <a:endParaRPr lang="en-IN" dirty="0"/>
           </a:p>
@@ -4618,7 +4618,7 @@
           <a:p>
             <a:fld id="{89E01FDE-22D3-49D9-846C-C14CA8C34E8A}" type="datetime1">
               <a:rPr lang="en-IN" smtClean="0"/>
-              <a:t>07-04-2023</a:t>
+              <a:t>10-04-2023</a:t>
             </a:fld>
             <a:endParaRPr lang="en-IN" dirty="0"/>
           </a:p>
@@ -4979,7 +4979,7 @@
           <a:p>
             <a:fld id="{89E01FDE-22D3-49D9-846C-C14CA8C34E8A}" type="datetime1">
               <a:rPr lang="en-IN" smtClean="0"/>
-              <a:t>07-04-2023</a:t>
+              <a:t>10-04-2023</a:t>
             </a:fld>
             <a:endParaRPr lang="en-IN" dirty="0"/>
           </a:p>
@@ -5107,7 +5107,7 @@
                 <a:latin typeface="Times New Roman" pitchFamily="18" charset="0"/>
                 <a:cs typeface="Times New Roman" pitchFamily="18" charset="0"/>
               </a:rPr>
-              <a:t>for the part of the student’s private data and then encrypt it and store it on the cloud server. </a:t>
+              <a:t>for the part of the student’s private data and then encrypt it and store it on the server. </a:t>
             </a:r>
           </a:p>
           <a:p>
@@ -5155,7 +5155,7 @@
                 <a:latin typeface="Times New Roman" pitchFamily="18" charset="0"/>
                 <a:cs typeface="Times New Roman" pitchFamily="18" charset="0"/>
               </a:rPr>
-              <a:t> from the cloud.</a:t>
+              <a:t> from the server.</a:t>
             </a:r>
             <a:endParaRPr lang="en-US" sz="11200" dirty="0">
               <a:latin typeface="Times New Roman" pitchFamily="18" charset="0"/>
@@ -5274,7 +5274,7 @@
           <a:p>
             <a:fld id="{89E01FDE-22D3-49D9-846C-C14CA8C34E8A}" type="datetime1">
               <a:rPr lang="en-IN" smtClean="0"/>
-              <a:t>07-04-2023</a:t>
+              <a:t>10-04-2023</a:t>
             </a:fld>
             <a:endParaRPr lang="en-IN" dirty="0"/>
           </a:p>
@@ -5732,7 +5732,7 @@
           <a:p>
             <a:fld id="{E8DB6051-EE13-42E6-98E9-4DCFCECF34A5}" type="datetime1">
               <a:rPr lang="en-IN" smtClean="0"/>
-              <a:t>07-04-2023</a:t>
+              <a:t>10-04-2023</a:t>
             </a:fld>
             <a:endParaRPr lang="en-IN" dirty="0"/>
           </a:p>
@@ -6030,7 +6030,7 @@
           <a:p>
             <a:fld id="{62C8375E-572C-4231-AFAD-B0A78AF670A8}" type="datetime1">
               <a:rPr lang="en-IN" smtClean="0"/>
-              <a:t>07-04-2023</a:t>
+              <a:t>10-04-2023</a:t>
             </a:fld>
             <a:endParaRPr lang="en-IN" dirty="0"/>
           </a:p>
@@ -6223,7 +6223,7 @@
           <a:p>
             <a:fld id="{493FDF61-49BB-4FF7-AC3A-83455FBCA969}" type="datetime1">
               <a:rPr lang="en-IN" smtClean="0"/>
-              <a:t>07-04-2023</a:t>
+              <a:t>10-04-2023</a:t>
             </a:fld>
             <a:endParaRPr lang="en-IN" dirty="0"/>
           </a:p>
@@ -6403,7 +6403,7 @@
           <a:p>
             <a:fld id="{493FDF61-49BB-4FF7-AC3A-83455FBCA969}" type="datetime1">
               <a:rPr lang="en-IN" smtClean="0"/>
-              <a:t>07-04-2023</a:t>
+              <a:t>10-04-2023</a:t>
             </a:fld>
             <a:endParaRPr lang="en-IN" dirty="0"/>
           </a:p>
@@ -6800,7 +6800,7 @@
           <a:p>
             <a:fld id="{493FDF61-49BB-4FF7-AC3A-83455FBCA969}" type="datetime1">
               <a:rPr lang="en-IN" smtClean="0"/>
-              <a:t>07-04-2023</a:t>
+              <a:t>10-04-2023</a:t>
             </a:fld>
             <a:endParaRPr lang="en-IN" dirty="0"/>
           </a:p>
@@ -7065,7 +7065,7 @@
           <a:p>
             <a:fld id="{493FDF61-49BB-4FF7-AC3A-83455FBCA969}" type="datetime1">
               <a:rPr lang="en-IN" smtClean="0"/>
-              <a:t>07-04-2023</a:t>
+              <a:t>10-04-2023</a:t>
             </a:fld>
             <a:endParaRPr lang="en-IN" dirty="0"/>
           </a:p>
@@ -7285,7 +7285,7 @@
           <a:p>
             <a:fld id="{7993C1BB-792E-4C92-9F5F-EE1024995E79}" type="datetime1">
               <a:rPr lang="en-IN" smtClean="0"/>
-              <a:t>07-04-2023</a:t>
+              <a:t>10-04-2023</a:t>
             </a:fld>
             <a:endParaRPr lang="en-IN" dirty="0"/>
           </a:p>
@@ -7670,7 +7670,7 @@
           <a:p>
             <a:fld id="{CEF08785-BFEF-416C-BEFC-93BB22CC6308}" type="datetime1">
               <a:rPr lang="en-IN" smtClean="0"/>
-              <a:t>07-04-2023</a:t>
+              <a:t>10-04-2023</a:t>
             </a:fld>
             <a:endParaRPr lang="en-IN" dirty="0"/>
           </a:p>
@@ -7961,7 +7961,7 @@
           <a:p>
             <a:fld id="{CEF08785-BFEF-416C-BEFC-93BB22CC6308}" type="datetime1">
               <a:rPr lang="en-IN" smtClean="0"/>
-              <a:t>07-04-2023</a:t>
+              <a:t>10-04-2023</a:t>
             </a:fld>
             <a:endParaRPr lang="en-IN" dirty="0"/>
           </a:p>
@@ -8209,7 +8209,7 @@
                 <a:latin typeface="Times New Roman" pitchFamily="18" charset="0"/>
                 <a:cs typeface="Times New Roman" pitchFamily="18" charset="0"/>
               </a:rPr>
-              <a:t>in the storage server. The cloud database is chosen as the storage server to efficiently store and retrieve data and support encrypted storage of files.</a:t>
+              <a:t>in the storage server. The blockchain database is chosen as the storage server to efficiently store and retrieve data and support encrypted storage of files.</a:t>
             </a:r>
           </a:p>
           <a:p>
@@ -8342,7 +8342,7 @@
           <a:p>
             <a:fld id="{CEF08785-BFEF-416C-BEFC-93BB22CC6308}" type="datetime1">
               <a:rPr lang="en-IN" smtClean="0"/>
-              <a:t>07-04-2023</a:t>
+              <a:t>10-04-2023</a:t>
             </a:fld>
             <a:endParaRPr lang="en-IN" dirty="0"/>
           </a:p>
@@ -8728,7 +8728,7 @@
           <a:p>
             <a:fld id="{CEF08785-BFEF-416C-BEFC-93BB22CC6308}" type="datetime1">
               <a:rPr lang="en-IN" smtClean="0"/>
-              <a:t>07-04-2023</a:t>
+              <a:t>10-04-2023</a:t>
             </a:fld>
             <a:endParaRPr lang="en-IN" dirty="0"/>
           </a:p>
@@ -9148,7 +9148,7 @@
           <a:p>
             <a:fld id="{252D9298-3902-4BDE-9AB6-912652AA16B2}" type="datetime1">
               <a:rPr lang="en-IN" smtClean="0"/>
-              <a:t>07-04-2023</a:t>
+              <a:t>10-04-2023</a:t>
             </a:fld>
             <a:endParaRPr lang="en-IN" dirty="0"/>
           </a:p>
@@ -9322,7 +9322,7 @@
           <a:p>
             <a:fld id="{252D9298-3902-4BDE-9AB6-912652AA16B2}" type="datetime1">
               <a:rPr lang="en-IN" smtClean="0"/>
-              <a:t>07-04-2023</a:t>
+              <a:t>10-04-2023</a:t>
             </a:fld>
             <a:endParaRPr lang="en-IN" dirty="0"/>
           </a:p>
@@ -9805,7 +9805,7 @@
           <a:p>
             <a:fld id="{252D9298-3902-4BDE-9AB6-912652AA16B2}" type="datetime1">
               <a:rPr lang="en-IN" smtClean="0"/>
-              <a:t>07-04-2023</a:t>
+              <a:t>10-04-2023</a:t>
             </a:fld>
             <a:endParaRPr lang="en-IN" dirty="0"/>
           </a:p>
@@ -9920,7 +9920,7 @@
                 <a:latin typeface="Times New Roman" panose="02020603050405020304" pitchFamily="18" charset="0"/>
                 <a:cs typeface="Times New Roman" panose="02020603050405020304" pitchFamily="18" charset="0"/>
               </a:rPr>
-              <a:t>.the Communication complexity of the PBFT algorithm </a:t>
+              <a:t>The Communication complexity of the PBFT algorithm </a:t>
             </a:r>
           </a:p>
           <a:p>
@@ -10134,7 +10134,7 @@
           <a:p>
             <a:fld id="{252D9298-3902-4BDE-9AB6-912652AA16B2}" type="datetime1">
               <a:rPr lang="en-IN" smtClean="0"/>
-              <a:t>07-04-2023</a:t>
+              <a:t>10-04-2023</a:t>
             </a:fld>
             <a:endParaRPr lang="en-IN" dirty="0"/>
           </a:p>
@@ -10313,7 +10313,7 @@
           <a:p>
             <a:fld id="{50F60316-87E1-449B-9D2E-2F9BFC05FE3D}" type="datetime1">
               <a:rPr lang="en-IN" smtClean="0"/>
-              <a:t>07-04-2023</a:t>
+              <a:t>10-04-2023</a:t>
             </a:fld>
             <a:endParaRPr lang="en-IN" dirty="0"/>
           </a:p>
@@ -10521,7 +10521,7 @@
           <a:p>
             <a:fld id="{50F60316-87E1-449B-9D2E-2F9BFC05FE3D}" type="datetime1">
               <a:rPr lang="en-IN" smtClean="0"/>
-              <a:t>07-04-2023</a:t>
+              <a:t>10-04-2023</a:t>
             </a:fld>
             <a:endParaRPr lang="en-IN" dirty="0"/>
           </a:p>
@@ -10727,7 +10727,7 @@
           <a:p>
             <a:fld id="{7993C1BB-792E-4C92-9F5F-EE1024995E79}" type="datetime1">
               <a:rPr lang="en-IN" smtClean="0"/>
-              <a:t>07-04-2023</a:t>
+              <a:t>10-04-2023</a:t>
             </a:fld>
             <a:endParaRPr lang="en-IN" dirty="0"/>
           </a:p>
@@ -11109,7 +11109,7 @@
           <a:p>
             <a:fld id="{50F60316-87E1-449B-9D2E-2F9BFC05FE3D}" type="datetime1">
               <a:rPr lang="en-IN" smtClean="0"/>
-              <a:t>07-04-2023</a:t>
+              <a:t>10-04-2023</a:t>
             </a:fld>
             <a:endParaRPr lang="en-IN" dirty="0"/>
           </a:p>
@@ -11317,7 +11317,7 @@
           <a:p>
             <a:fld id="{50F60316-87E1-449B-9D2E-2F9BFC05FE3D}" type="datetime1">
               <a:rPr lang="en-IN" smtClean="0"/>
-              <a:t>07-04-2023</a:t>
+              <a:t>10-04-2023</a:t>
             </a:fld>
             <a:endParaRPr lang="en-IN" dirty="0"/>
           </a:p>
@@ -11525,7 +11525,7 @@
           <a:p>
             <a:fld id="{50F60316-87E1-449B-9D2E-2F9BFC05FE3D}" type="datetime1">
               <a:rPr lang="en-IN" smtClean="0"/>
-              <a:t>07-04-2023</a:t>
+              <a:t>10-04-2023</a:t>
             </a:fld>
             <a:endParaRPr lang="en-IN" dirty="0"/>
           </a:p>
@@ -11698,7 +11698,31 @@
                 <a:ea typeface="Calibri" panose="020F0502020204030204" pitchFamily="34" charset="0"/>
                 <a:cs typeface="Times New Roman" panose="02020603050405020304" pitchFamily="18" charset="0"/>
               </a:rPr>
-              <a:t>Conclusion / Feature Enhancement</a:t>
+              <a:t>Conclusion </a:t>
+            </a:r>
+            <a:r>
+              <a:rPr lang="en-US" sz="3200" b="1">
+                <a:solidFill>
+                  <a:srgbClr val="7030A0"/>
+                </a:solidFill>
+                <a:effectLst/>
+                <a:latin typeface="Times New Roman" panose="02020603050405020304" pitchFamily="18" charset="0"/>
+                <a:ea typeface="Calibri" panose="020F0502020204030204" pitchFamily="34" charset="0"/>
+                <a:cs typeface="Times New Roman" panose="02020603050405020304" pitchFamily="18" charset="0"/>
+              </a:rPr>
+              <a:t>/ Future </a:t>
+            </a:r>
+            <a:r>
+              <a:rPr lang="en-US" sz="3200" b="1" dirty="0">
+                <a:solidFill>
+                  <a:srgbClr val="7030A0"/>
+                </a:solidFill>
+                <a:effectLst/>
+                <a:latin typeface="Times New Roman" panose="02020603050405020304" pitchFamily="18" charset="0"/>
+                <a:ea typeface="Calibri" panose="020F0502020204030204" pitchFamily="34" charset="0"/>
+                <a:cs typeface="Times New Roman" panose="02020603050405020304" pitchFamily="18" charset="0"/>
+              </a:rPr>
+              <a:t>Enhancement</a:t>
             </a:r>
             <a:endParaRPr lang="en-IN" sz="19900" b="1" dirty="0">
               <a:solidFill>
@@ -11733,7 +11757,7 @@
           <a:p>
             <a:fld id="{81F865BB-D69F-48AF-829D-597573FD9C58}" type="datetime1">
               <a:rPr lang="en-IN" smtClean="0"/>
-              <a:t>07-04-2023</a:t>
+              <a:t>10-04-2023</a:t>
             </a:fld>
             <a:endParaRPr lang="en-IN" dirty="0"/>
           </a:p>
@@ -12081,7 +12105,7 @@
           <a:p>
             <a:fld id="{6FB2D540-A2B5-48C3-A171-B58E7CA907A4}" type="datetime1">
               <a:rPr lang="en-IN" smtClean="0"/>
-              <a:t>07-04-2023</a:t>
+              <a:t>10-04-2023</a:t>
             </a:fld>
             <a:endParaRPr lang="en-IN" dirty="0"/>
           </a:p>
@@ -12425,7 +12449,7 @@
           <a:p>
             <a:fld id="{6FB2D540-A2B5-48C3-A171-B58E7CA907A4}" type="datetime1">
               <a:rPr lang="en-IN" smtClean="0"/>
-              <a:t>07-04-2023</a:t>
+              <a:t>10-04-2023</a:t>
             </a:fld>
             <a:endParaRPr lang="en-IN" dirty="0"/>
           </a:p>
@@ -12769,7 +12793,7 @@
           <a:p>
             <a:fld id="{786EFE27-0395-4A36-8E9A-91462FF8D601}" type="datetime1">
               <a:rPr lang="en-IN" smtClean="0"/>
-              <a:t>07-04-2023</a:t>
+              <a:t>10-04-2023</a:t>
             </a:fld>
             <a:endParaRPr lang="en-IN" dirty="0"/>
           </a:p>
@@ -13363,7 +13387,7 @@
           <a:p>
             <a:fld id="{786EFE27-0395-4A36-8E9A-91462FF8D601}" type="datetime1">
               <a:rPr lang="en-IN" smtClean="0"/>
-              <a:t>07-04-2023</a:t>
+              <a:t>10-04-2023</a:t>
             </a:fld>
             <a:endParaRPr lang="en-IN" dirty="0"/>
           </a:p>
@@ -13973,7 +13997,7 @@
           <a:p>
             <a:fld id="{786EFE27-0395-4A36-8E9A-91462FF8D601}" type="datetime1">
               <a:rPr lang="en-IN" smtClean="0"/>
-              <a:t>07-04-2023</a:t>
+              <a:t>10-04-2023</a:t>
             </a:fld>
             <a:endParaRPr lang="en-IN" dirty="0"/>
           </a:p>
@@ -14512,12 +14536,10 @@
                 <a:solidFill>
                   <a:srgbClr val="7030A0"/>
                 </a:solidFill>
-                <a:effectLst/>
-                <a:latin typeface="Times New Roman" panose="02020603050405020304" pitchFamily="18" charset="0"/>
-                <a:ea typeface="Calibri" panose="020F0502020204030204" pitchFamily="34" charset="0"/>
-                <a:cs typeface="Times New Roman" panose="02020603050405020304" pitchFamily="18" charset="0"/>
-              </a:rPr>
-              <a:t>Problem Statement</a:t>
+                <a:latin typeface="Times New Roman" panose="02020603050405020304" pitchFamily="18" charset="0"/>
+                <a:cs typeface="Times New Roman" panose="02020603050405020304" pitchFamily="18" charset="0"/>
+              </a:rPr>
+              <a:t>Literature Survey</a:t>
             </a:r>
             <a:endParaRPr lang="en-IN" sz="3600" b="1" dirty="0">
               <a:solidFill>
@@ -14552,7 +14574,7 @@
           <a:p>
             <a:fld id="{72CFDEE5-572C-4F2E-BEBB-78B6E85B2556}" type="datetime1">
               <a:rPr lang="en-IN" smtClean="0"/>
-              <a:t>07-04-2023</a:t>
+              <a:t>10-04-2023</a:t>
             </a:fld>
             <a:endParaRPr lang="en-IN" dirty="0"/>
           </a:p>
@@ -15114,7 +15136,7 @@
           <a:p>
             <a:fld id="{89E01FDE-22D3-49D9-846C-C14CA8C34E8A}" type="datetime1">
               <a:rPr lang="en-IN" smtClean="0"/>
-              <a:t>07-04-2023</a:t>
+              <a:t>10-04-2023</a:t>
             </a:fld>
             <a:endParaRPr lang="en-IN" dirty="0"/>
           </a:p>
@@ -15413,7 +15435,7 @@
           <a:p>
             <a:fld id="{89E01FDE-22D3-49D9-846C-C14CA8C34E8A}" type="datetime1">
               <a:rPr lang="en-IN" smtClean="0"/>
-              <a:t>07-04-2023</a:t>
+              <a:t>10-04-2023</a:t>
             </a:fld>
             <a:endParaRPr lang="en-IN" dirty="0"/>
           </a:p>
